--- a/corridor_docs/eric_ms_thesis/images/figures.pptx
+++ b/corridor_docs/eric_ms_thesis/images/figures.pptx
@@ -107,6 +107,11 @@
       </a:defRPr>
     </a:lvl9pPr>
   </p:defaultTextStyle>
+  <p:extLst>
+    <p:ext uri="{EFAFB233-063F-42B5-8137-9DF3F51BA10A}">
+      <p15:sldGuideLst xmlns:p15="http://schemas.microsoft.com/office/powerpoint/2012/main"/>
+    </p:ext>
+  </p:extLst>
 </p:presentation>
 </file>
 
@@ -192,7 +197,7 @@
           <a:p>
             <a:fld id="{8E9F6E42-680C-E845-A4F4-79F81B851755}" type="datetimeFigureOut">
               <a:rPr lang="en-US" smtClean="0"/>
-              <a:t>6/9/25</a:t>
+              <a:t>7/7/2025</a:t>
             </a:fld>
             <a:endParaRPr lang="en-US"/>
           </a:p>
@@ -674,7 +679,7 @@
           <a:p>
             <a:fld id="{10FDB6B0-3AE4-F840-AAD9-CC400148E2F6}" type="datetimeFigureOut">
               <a:rPr lang="en-US" smtClean="0"/>
-              <a:t>6/9/25</a:t>
+              <a:t>7/7/2025</a:t>
             </a:fld>
             <a:endParaRPr lang="en-US"/>
           </a:p>
@@ -844,7 +849,7 @@
           <a:p>
             <a:fld id="{10FDB6B0-3AE4-F840-AAD9-CC400148E2F6}" type="datetimeFigureOut">
               <a:rPr lang="en-US" smtClean="0"/>
-              <a:t>6/9/25</a:t>
+              <a:t>7/7/2025</a:t>
             </a:fld>
             <a:endParaRPr lang="en-US"/>
           </a:p>
@@ -1024,7 +1029,7 @@
           <a:p>
             <a:fld id="{10FDB6B0-3AE4-F840-AAD9-CC400148E2F6}" type="datetimeFigureOut">
               <a:rPr lang="en-US" smtClean="0"/>
-              <a:t>6/9/25</a:t>
+              <a:t>7/7/2025</a:t>
             </a:fld>
             <a:endParaRPr lang="en-US"/>
           </a:p>
@@ -1194,7 +1199,7 @@
           <a:p>
             <a:fld id="{10FDB6B0-3AE4-F840-AAD9-CC400148E2F6}" type="datetimeFigureOut">
               <a:rPr lang="en-US" smtClean="0"/>
-              <a:t>6/9/25</a:t>
+              <a:t>7/7/2025</a:t>
             </a:fld>
             <a:endParaRPr lang="en-US"/>
           </a:p>
@@ -1440,7 +1445,7 @@
           <a:p>
             <a:fld id="{10FDB6B0-3AE4-F840-AAD9-CC400148E2F6}" type="datetimeFigureOut">
               <a:rPr lang="en-US" smtClean="0"/>
-              <a:t>6/9/25</a:t>
+              <a:t>7/7/2025</a:t>
             </a:fld>
             <a:endParaRPr lang="en-US"/>
           </a:p>
@@ -1672,7 +1677,7 @@
           <a:p>
             <a:fld id="{10FDB6B0-3AE4-F840-AAD9-CC400148E2F6}" type="datetimeFigureOut">
               <a:rPr lang="en-US" smtClean="0"/>
-              <a:t>6/9/25</a:t>
+              <a:t>7/7/2025</a:t>
             </a:fld>
             <a:endParaRPr lang="en-US"/>
           </a:p>
@@ -2039,7 +2044,7 @@
           <a:p>
             <a:fld id="{10FDB6B0-3AE4-F840-AAD9-CC400148E2F6}" type="datetimeFigureOut">
               <a:rPr lang="en-US" smtClean="0"/>
-              <a:t>6/9/25</a:t>
+              <a:t>7/7/2025</a:t>
             </a:fld>
             <a:endParaRPr lang="en-US"/>
           </a:p>
@@ -2157,7 +2162,7 @@
           <a:p>
             <a:fld id="{10FDB6B0-3AE4-F840-AAD9-CC400148E2F6}" type="datetimeFigureOut">
               <a:rPr lang="en-US" smtClean="0"/>
-              <a:t>6/9/25</a:t>
+              <a:t>7/7/2025</a:t>
             </a:fld>
             <a:endParaRPr lang="en-US"/>
           </a:p>
@@ -2252,7 +2257,7 @@
           <a:p>
             <a:fld id="{10FDB6B0-3AE4-F840-AAD9-CC400148E2F6}" type="datetimeFigureOut">
               <a:rPr lang="en-US" smtClean="0"/>
-              <a:t>6/9/25</a:t>
+              <a:t>7/7/2025</a:t>
             </a:fld>
             <a:endParaRPr lang="en-US"/>
           </a:p>
@@ -2529,7 +2534,7 @@
           <a:p>
             <a:fld id="{10FDB6B0-3AE4-F840-AAD9-CC400148E2F6}" type="datetimeFigureOut">
               <a:rPr lang="en-US" smtClean="0"/>
-              <a:t>6/9/25</a:t>
+              <a:t>7/7/2025</a:t>
             </a:fld>
             <a:endParaRPr lang="en-US"/>
           </a:p>
@@ -2786,7 +2791,7 @@
           <a:p>
             <a:fld id="{10FDB6B0-3AE4-F840-AAD9-CC400148E2F6}" type="datetimeFigureOut">
               <a:rPr lang="en-US" smtClean="0"/>
-              <a:t>6/9/25</a:t>
+              <a:t>7/7/2025</a:t>
             </a:fld>
             <a:endParaRPr lang="en-US"/>
           </a:p>
@@ -2999,7 +3004,7 @@
           <a:p>
             <a:fld id="{10FDB6B0-3AE4-F840-AAD9-CC400148E2F6}" type="datetimeFigureOut">
               <a:rPr lang="en-US" smtClean="0"/>
-              <a:t>6/9/25</a:t>
+              <a:t>7/7/2025</a:t>
             </a:fld>
             <a:endParaRPr lang="en-US"/>
           </a:p>
@@ -5343,6 +5348,9 @@
           <a:prstGeom prst="rect">
             <a:avLst/>
           </a:prstGeom>
+          <a:solidFill>
+            <a:schemeClr val="accent2"/>
+          </a:solidFill>
         </p:spPr>
         <p:style>
           <a:lnRef idx="2">
@@ -5389,6 +5397,9 @@
           <a:prstGeom prst="rect">
             <a:avLst/>
           </a:prstGeom>
+          <a:solidFill>
+            <a:schemeClr val="accent2"/>
+          </a:solidFill>
         </p:spPr>
         <p:style>
           <a:lnRef idx="2">
@@ -5435,6 +5446,9 @@
           <a:prstGeom prst="rect">
             <a:avLst/>
           </a:prstGeom>
+          <a:solidFill>
+            <a:schemeClr val="accent2"/>
+          </a:solidFill>
         </p:spPr>
         <p:style>
           <a:lnRef idx="2">
@@ -5555,98 +5569,6 @@
       </p:sp>
       <p:sp>
         <p:nvSpPr>
-          <p:cNvPr id="63" name="Rectangle 62">
-            <a:extLst>
-              <a:ext uri="{FF2B5EF4-FFF2-40B4-BE49-F238E27FC236}">
-                <a16:creationId xmlns:a16="http://schemas.microsoft.com/office/drawing/2014/main" id="{D6C6CCF1-F31D-19E5-17C3-0B089A473FAB}"/>
-              </a:ext>
-            </a:extLst>
-          </p:cNvPr>
-          <p:cNvSpPr/>
-          <p:nvPr/>
-        </p:nvSpPr>
-        <p:spPr>
-          <a:xfrm>
-            <a:off x="3006664" y="3797090"/>
-            <a:ext cx="154983" cy="154983"/>
-          </a:xfrm>
-          <a:prstGeom prst="rect">
-            <a:avLst/>
-          </a:prstGeom>
-        </p:spPr>
-        <p:style>
-          <a:lnRef idx="2">
-            <a:schemeClr val="accent1">
-              <a:shade val="15000"/>
-            </a:schemeClr>
-          </a:lnRef>
-          <a:fillRef idx="1">
-            <a:schemeClr val="accent1"/>
-          </a:fillRef>
-          <a:effectRef idx="0">
-            <a:schemeClr val="accent1"/>
-          </a:effectRef>
-          <a:fontRef idx="minor">
-            <a:schemeClr val="lt1"/>
-          </a:fontRef>
-        </p:style>
-        <p:txBody>
-          <a:bodyPr rtlCol="0" anchor="ctr"/>
-          <a:lstStyle/>
-          <a:p>
-            <a:pPr algn="ctr"/>
-            <a:endParaRPr lang="en-US"/>
-          </a:p>
-        </p:txBody>
-      </p:sp>
-      <p:sp>
-        <p:nvSpPr>
-          <p:cNvPr id="1024" name="Rectangle 1023">
-            <a:extLst>
-              <a:ext uri="{FF2B5EF4-FFF2-40B4-BE49-F238E27FC236}">
-                <a16:creationId xmlns:a16="http://schemas.microsoft.com/office/drawing/2014/main" id="{094C1F79-C6A6-5C18-D492-5F8A5B15F7D1}"/>
-              </a:ext>
-            </a:extLst>
-          </p:cNvPr>
-          <p:cNvSpPr/>
-          <p:nvPr/>
-        </p:nvSpPr>
-        <p:spPr>
-          <a:xfrm>
-            <a:off x="2678621" y="5313348"/>
-            <a:ext cx="154983" cy="154983"/>
-          </a:xfrm>
-          <a:prstGeom prst="rect">
-            <a:avLst/>
-          </a:prstGeom>
-        </p:spPr>
-        <p:style>
-          <a:lnRef idx="2">
-            <a:schemeClr val="accent1">
-              <a:shade val="15000"/>
-            </a:schemeClr>
-          </a:lnRef>
-          <a:fillRef idx="1">
-            <a:schemeClr val="accent1"/>
-          </a:fillRef>
-          <a:effectRef idx="0">
-            <a:schemeClr val="accent1"/>
-          </a:effectRef>
-          <a:fontRef idx="minor">
-            <a:schemeClr val="lt1"/>
-          </a:fontRef>
-        </p:style>
-        <p:txBody>
-          <a:bodyPr rtlCol="0" anchor="ctr"/>
-          <a:lstStyle/>
-          <a:p>
-            <a:pPr algn="ctr"/>
-            <a:endParaRPr lang="en-US"/>
-          </a:p>
-        </p:txBody>
-      </p:sp>
-      <p:sp>
-        <p:nvSpPr>
           <p:cNvPr id="1025" name="Rectangle 1024">
             <a:extLst>
               <a:ext uri="{FF2B5EF4-FFF2-40B4-BE49-F238E27FC236}">
@@ -5665,6 +5587,9 @@
           <a:prstGeom prst="rect">
             <a:avLst/>
           </a:prstGeom>
+          <a:solidFill>
+            <a:schemeClr val="accent2"/>
+          </a:solidFill>
         </p:spPr>
         <p:style>
           <a:lnRef idx="2">

--- a/corridor_docs/eric_ms_thesis/images/figures.pptx
+++ b/corridor_docs/eric_ms_thesis/images/figures.pptx
@@ -197,7 +197,7 @@
           <a:p>
             <a:fld id="{8E9F6E42-680C-E845-A4F4-79F81B851755}" type="datetimeFigureOut">
               <a:rPr lang="en-US" smtClean="0"/>
-              <a:t>7/7/2025</a:t>
+              <a:t>7/10/25</a:t>
             </a:fld>
             <a:endParaRPr lang="en-US"/>
           </a:p>
@@ -679,7 +679,7 @@
           <a:p>
             <a:fld id="{10FDB6B0-3AE4-F840-AAD9-CC400148E2F6}" type="datetimeFigureOut">
               <a:rPr lang="en-US" smtClean="0"/>
-              <a:t>7/7/2025</a:t>
+              <a:t>7/10/25</a:t>
             </a:fld>
             <a:endParaRPr lang="en-US"/>
           </a:p>
@@ -849,7 +849,7 @@
           <a:p>
             <a:fld id="{10FDB6B0-3AE4-F840-AAD9-CC400148E2F6}" type="datetimeFigureOut">
               <a:rPr lang="en-US" smtClean="0"/>
-              <a:t>7/7/2025</a:t>
+              <a:t>7/10/25</a:t>
             </a:fld>
             <a:endParaRPr lang="en-US"/>
           </a:p>
@@ -1029,7 +1029,7 @@
           <a:p>
             <a:fld id="{10FDB6B0-3AE4-F840-AAD9-CC400148E2F6}" type="datetimeFigureOut">
               <a:rPr lang="en-US" smtClean="0"/>
-              <a:t>7/7/2025</a:t>
+              <a:t>7/10/25</a:t>
             </a:fld>
             <a:endParaRPr lang="en-US"/>
           </a:p>
@@ -1199,7 +1199,7 @@
           <a:p>
             <a:fld id="{10FDB6B0-3AE4-F840-AAD9-CC400148E2F6}" type="datetimeFigureOut">
               <a:rPr lang="en-US" smtClean="0"/>
-              <a:t>7/7/2025</a:t>
+              <a:t>7/10/25</a:t>
             </a:fld>
             <a:endParaRPr lang="en-US"/>
           </a:p>
@@ -1445,7 +1445,7 @@
           <a:p>
             <a:fld id="{10FDB6B0-3AE4-F840-AAD9-CC400148E2F6}" type="datetimeFigureOut">
               <a:rPr lang="en-US" smtClean="0"/>
-              <a:t>7/7/2025</a:t>
+              <a:t>7/10/25</a:t>
             </a:fld>
             <a:endParaRPr lang="en-US"/>
           </a:p>
@@ -1677,7 +1677,7 @@
           <a:p>
             <a:fld id="{10FDB6B0-3AE4-F840-AAD9-CC400148E2F6}" type="datetimeFigureOut">
               <a:rPr lang="en-US" smtClean="0"/>
-              <a:t>7/7/2025</a:t>
+              <a:t>7/10/25</a:t>
             </a:fld>
             <a:endParaRPr lang="en-US"/>
           </a:p>
@@ -2044,7 +2044,7 @@
           <a:p>
             <a:fld id="{10FDB6B0-3AE4-F840-AAD9-CC400148E2F6}" type="datetimeFigureOut">
               <a:rPr lang="en-US" smtClean="0"/>
-              <a:t>7/7/2025</a:t>
+              <a:t>7/10/25</a:t>
             </a:fld>
             <a:endParaRPr lang="en-US"/>
           </a:p>
@@ -2162,7 +2162,7 @@
           <a:p>
             <a:fld id="{10FDB6B0-3AE4-F840-AAD9-CC400148E2F6}" type="datetimeFigureOut">
               <a:rPr lang="en-US" smtClean="0"/>
-              <a:t>7/7/2025</a:t>
+              <a:t>7/10/25</a:t>
             </a:fld>
             <a:endParaRPr lang="en-US"/>
           </a:p>
@@ -2257,7 +2257,7 @@
           <a:p>
             <a:fld id="{10FDB6B0-3AE4-F840-AAD9-CC400148E2F6}" type="datetimeFigureOut">
               <a:rPr lang="en-US" smtClean="0"/>
-              <a:t>7/7/2025</a:t>
+              <a:t>7/10/25</a:t>
             </a:fld>
             <a:endParaRPr lang="en-US"/>
           </a:p>
@@ -2534,7 +2534,7 @@
           <a:p>
             <a:fld id="{10FDB6B0-3AE4-F840-AAD9-CC400148E2F6}" type="datetimeFigureOut">
               <a:rPr lang="en-US" smtClean="0"/>
-              <a:t>7/7/2025</a:t>
+              <a:t>7/10/25</a:t>
             </a:fld>
             <a:endParaRPr lang="en-US"/>
           </a:p>
@@ -2791,7 +2791,7 @@
           <a:p>
             <a:fld id="{10FDB6B0-3AE4-F840-AAD9-CC400148E2F6}" type="datetimeFigureOut">
               <a:rPr lang="en-US" smtClean="0"/>
-              <a:t>7/7/2025</a:t>
+              <a:t>7/10/25</a:t>
             </a:fld>
             <a:endParaRPr lang="en-US"/>
           </a:p>
@@ -3004,7 +3004,7 @@
           <a:p>
             <a:fld id="{10FDB6B0-3AE4-F840-AAD9-CC400148E2F6}" type="datetimeFigureOut">
               <a:rPr lang="en-US" smtClean="0"/>
-              <a:t>7/7/2025</a:t>
+              <a:t>7/10/25</a:t>
             </a:fld>
             <a:endParaRPr lang="en-US"/>
           </a:p>
@@ -3431,8 +3431,8 @@
         </p:blipFill>
         <p:spPr>
           <a:xfrm>
-            <a:off x="4126152" y="2537467"/>
-            <a:ext cx="2339163" cy="2007677"/>
+            <a:off x="4298224" y="2340245"/>
+            <a:ext cx="2559776" cy="2197026"/>
           </a:xfrm>
           <a:prstGeom prst="rect">
             <a:avLst/>
@@ -3455,8 +3455,8 @@
         </p:nvGrpSpPr>
         <p:grpSpPr>
           <a:xfrm>
-            <a:off x="0" y="2947076"/>
-            <a:ext cx="4977977" cy="4228640"/>
+            <a:off x="-217076" y="2788486"/>
+            <a:ext cx="5447463" cy="4627455"/>
             <a:chOff x="-10448880" y="1747353"/>
             <a:chExt cx="6784053" cy="5762847"/>
           </a:xfrm>
@@ -3681,8 +3681,8 @@
           </p:nvSpPr>
           <p:spPr>
             <a:xfrm>
-              <a:off x="-8910085" y="2620466"/>
-              <a:ext cx="2666447" cy="2651621"/>
+              <a:off x="-8910085" y="2620467"/>
+              <a:ext cx="2666446" cy="2651620"/>
             </a:xfrm>
             <a:prstGeom prst="rect">
               <a:avLst/>
@@ -3837,8 +3837,8 @@
           </p:nvSpPr>
           <p:spPr>
             <a:xfrm rot="5400000" flipH="1">
-              <a:off x="-7477225" y="1388173"/>
-              <a:ext cx="392908" cy="1559909"/>
+              <a:off x="-7703813" y="1614760"/>
+              <a:ext cx="846086" cy="1559909"/>
             </a:xfrm>
             <a:prstGeom prst="rect">
               <a:avLst/>
@@ -3871,7 +3871,10 @@
             <a:lstStyle/>
             <a:p>
               <a:pPr algn="ctr"/>
-              <a:endParaRPr lang="en-US"/>
+              <a:r>
+                <a:rPr lang="en-US" dirty="0"/>
+                <a:t>8</a:t>
+              </a:r>
             </a:p>
           </p:txBody>
         </p:sp>
@@ -5086,8 +5089,8 @@
         </p:nvSpPr>
         <p:spPr>
           <a:xfrm>
-            <a:off x="4943959" y="3704096"/>
-            <a:ext cx="170482" cy="170481"/>
+            <a:off x="5193161" y="3616902"/>
+            <a:ext cx="186561" cy="186560"/>
           </a:xfrm>
           <a:prstGeom prst="rect">
             <a:avLst/>
@@ -5135,8 +5138,8 @@
         </p:nvCxnSpPr>
         <p:spPr>
           <a:xfrm flipH="1" flipV="1">
-            <a:off x="2975675" y="3099662"/>
-            <a:ext cx="1968284" cy="689675"/>
+            <a:off x="3039243" y="2955462"/>
+            <a:ext cx="2153918" cy="754720"/>
           </a:xfrm>
           <a:prstGeom prst="straightConnector1">
             <a:avLst/>
@@ -5177,8 +5180,8 @@
         </p:nvCxnSpPr>
         <p:spPr>
           <a:xfrm flipH="1">
-            <a:off x="3797085" y="3789337"/>
-            <a:ext cx="1146874" cy="2642460"/>
+            <a:off x="3938122" y="3710182"/>
+            <a:ext cx="1255039" cy="2891678"/>
           </a:xfrm>
           <a:prstGeom prst="straightConnector1">
             <a:avLst/>
@@ -5216,8 +5219,8 @@
         </p:nvSpPr>
         <p:spPr>
           <a:xfrm>
-            <a:off x="4835470" y="2944679"/>
-            <a:ext cx="1332855" cy="769441"/>
+            <a:off x="5074440" y="2785862"/>
+            <a:ext cx="1458560" cy="842009"/>
           </a:xfrm>
           <a:prstGeom prst="rect">
             <a:avLst/>
@@ -5256,8 +5259,8 @@
         </p:nvSpPr>
         <p:spPr>
           <a:xfrm>
-            <a:off x="437827" y="5255240"/>
-            <a:ext cx="2026403" cy="584775"/>
+            <a:off x="357632" y="5330249"/>
+            <a:ext cx="2217518" cy="639927"/>
           </a:xfrm>
           <a:prstGeom prst="rect">
             <a:avLst/>
@@ -5296,8 +5299,8 @@
         </p:nvSpPr>
         <p:spPr>
           <a:xfrm>
-            <a:off x="1208868" y="4308535"/>
-            <a:ext cx="154983" cy="154983"/>
+            <a:off x="1105804" y="4278347"/>
+            <a:ext cx="169600" cy="169600"/>
           </a:xfrm>
           <a:prstGeom prst="rect">
             <a:avLst/>
@@ -5342,15 +5345,13 @@
         </p:nvSpPr>
         <p:spPr>
           <a:xfrm>
-            <a:off x="1609238" y="3577532"/>
-            <a:ext cx="154983" cy="154983"/>
+            <a:off x="1543934" y="3478401"/>
+            <a:ext cx="169600" cy="169600"/>
           </a:xfrm>
           <a:prstGeom prst="rect">
             <a:avLst/>
           </a:prstGeom>
-          <a:solidFill>
-            <a:schemeClr val="accent2"/>
-          </a:solidFill>
+          <a:noFill/>
         </p:spPr>
         <p:style>
           <a:lnRef idx="2">
@@ -5391,15 +5392,13 @@
         </p:nvSpPr>
         <p:spPr>
           <a:xfrm>
-            <a:off x="2335075" y="3714438"/>
-            <a:ext cx="154983" cy="154983"/>
+            <a:off x="2338226" y="3628219"/>
+            <a:ext cx="169600" cy="169600"/>
           </a:xfrm>
           <a:prstGeom prst="rect">
             <a:avLst/>
           </a:prstGeom>
-          <a:solidFill>
-            <a:schemeClr val="accent2"/>
-          </a:solidFill>
+          <a:noFill/>
         </p:spPr>
         <p:style>
           <a:lnRef idx="2">
@@ -5440,15 +5439,13 @@
         </p:nvSpPr>
         <p:spPr>
           <a:xfrm>
-            <a:off x="2177509" y="4052820"/>
-            <a:ext cx="154983" cy="154983"/>
+            <a:off x="2165800" y="3998515"/>
+            <a:ext cx="169600" cy="169600"/>
           </a:xfrm>
           <a:prstGeom prst="rect">
             <a:avLst/>
           </a:prstGeom>
-          <a:solidFill>
-            <a:schemeClr val="accent2"/>
-          </a:solidFill>
+          <a:noFill/>
         </p:spPr>
         <p:style>
           <a:lnRef idx="2">
@@ -5489,8 +5486,8 @@
         </p:nvSpPr>
         <p:spPr>
           <a:xfrm>
-            <a:off x="2546885" y="4050235"/>
-            <a:ext cx="154983" cy="154983"/>
+            <a:off x="2621147" y="3995364"/>
+            <a:ext cx="169600" cy="169600"/>
           </a:xfrm>
           <a:prstGeom prst="rect">
             <a:avLst/>
@@ -5535,8 +5532,8 @@
         </p:nvSpPr>
         <p:spPr>
           <a:xfrm>
-            <a:off x="2931759" y="5039543"/>
-            <a:ext cx="154983" cy="154983"/>
+            <a:off x="2991185" y="5078299"/>
+            <a:ext cx="169600" cy="169600"/>
           </a:xfrm>
           <a:prstGeom prst="rect">
             <a:avLst/>
@@ -5581,15 +5578,13 @@
         </p:nvSpPr>
         <p:spPr>
           <a:xfrm>
-            <a:off x="2802602" y="4522926"/>
-            <a:ext cx="154983" cy="154983"/>
+            <a:off x="2849847" y="4512958"/>
+            <a:ext cx="169600" cy="169600"/>
           </a:xfrm>
           <a:prstGeom prst="rect">
             <a:avLst/>
           </a:prstGeom>
-          <a:solidFill>
-            <a:schemeClr val="accent2"/>
-          </a:solidFill>
+          <a:noFill/>
         </p:spPr>
         <p:style>
           <a:lnRef idx="2">
@@ -5613,6 +5608,146 @@
           <a:p>
             <a:pPr algn="ctr"/>
             <a:endParaRPr lang="en-US"/>
+          </a:p>
+        </p:txBody>
+      </p:sp>
+      <p:sp>
+        <p:nvSpPr>
+          <p:cNvPr id="54" name="TextBox 53">
+            <a:extLst>
+              <a:ext uri="{FF2B5EF4-FFF2-40B4-BE49-F238E27FC236}">
+                <a16:creationId xmlns:a16="http://schemas.microsoft.com/office/drawing/2014/main" id="{D60F4915-0997-3AB7-F261-FE027FCBE8C3}"/>
+              </a:ext>
+            </a:extLst>
+          </p:cNvPr>
+          <p:cNvSpPr txBox="1"/>
+          <p:nvPr/>
+        </p:nvSpPr>
+        <p:spPr>
+          <a:xfrm>
+            <a:off x="1683792" y="3392888"/>
+            <a:ext cx="1056894" cy="338554"/>
+          </a:xfrm>
+          <a:prstGeom prst="rect">
+            <a:avLst/>
+          </a:prstGeom>
+          <a:noFill/>
+        </p:spPr>
+        <p:txBody>
+          <a:bodyPr wrap="square" rtlCol="0">
+            <a:spAutoFit/>
+          </a:bodyPr>
+          <a:lstStyle/>
+          <a:p>
+            <a:r>
+              <a:rPr lang="en-US" sz="1600" dirty="0"/>
+              <a:t>8</a:t>
+            </a:r>
+          </a:p>
+        </p:txBody>
+      </p:sp>
+      <p:sp>
+        <p:nvSpPr>
+          <p:cNvPr id="55" name="TextBox 54">
+            <a:extLst>
+              <a:ext uri="{FF2B5EF4-FFF2-40B4-BE49-F238E27FC236}">
+                <a16:creationId xmlns:a16="http://schemas.microsoft.com/office/drawing/2014/main" id="{0368CC51-70A7-67FD-F496-96A57FD4AA86}"/>
+              </a:ext>
+            </a:extLst>
+          </p:cNvPr>
+          <p:cNvSpPr txBox="1"/>
+          <p:nvPr/>
+        </p:nvSpPr>
+        <p:spPr>
+          <a:xfrm>
+            <a:off x="2478588" y="3566067"/>
+            <a:ext cx="757056" cy="338554"/>
+          </a:xfrm>
+          <a:prstGeom prst="rect">
+            <a:avLst/>
+          </a:prstGeom>
+          <a:noFill/>
+        </p:spPr>
+        <p:txBody>
+          <a:bodyPr wrap="square" rtlCol="0">
+            <a:spAutoFit/>
+          </a:bodyPr>
+          <a:lstStyle/>
+          <a:p>
+            <a:r>
+              <a:rPr lang="en-US" sz="1600" dirty="0"/>
+              <a:t>53N</a:t>
+            </a:r>
+          </a:p>
+        </p:txBody>
+      </p:sp>
+      <p:sp>
+        <p:nvSpPr>
+          <p:cNvPr id="60" name="TextBox 59">
+            <a:extLst>
+              <a:ext uri="{FF2B5EF4-FFF2-40B4-BE49-F238E27FC236}">
+                <a16:creationId xmlns:a16="http://schemas.microsoft.com/office/drawing/2014/main" id="{58EEF179-0B37-F985-604D-A31DF830818D}"/>
+              </a:ext>
+            </a:extLst>
+          </p:cNvPr>
+          <p:cNvSpPr txBox="1"/>
+          <p:nvPr/>
+        </p:nvSpPr>
+        <p:spPr>
+          <a:xfrm>
+            <a:off x="2270933" y="3935433"/>
+            <a:ext cx="757056" cy="338554"/>
+          </a:xfrm>
+          <a:prstGeom prst="rect">
+            <a:avLst/>
+          </a:prstGeom>
+          <a:noFill/>
+        </p:spPr>
+        <p:txBody>
+          <a:bodyPr wrap="square" rtlCol="0">
+            <a:spAutoFit/>
+          </a:bodyPr>
+          <a:lstStyle/>
+          <a:p>
+            <a:r>
+              <a:rPr lang="en-US" sz="1600" dirty="0"/>
+              <a:t>52</a:t>
+            </a:r>
+          </a:p>
+        </p:txBody>
+      </p:sp>
+      <p:sp>
+        <p:nvSpPr>
+          <p:cNvPr id="63" name="TextBox 62">
+            <a:extLst>
+              <a:ext uri="{FF2B5EF4-FFF2-40B4-BE49-F238E27FC236}">
+                <a16:creationId xmlns:a16="http://schemas.microsoft.com/office/drawing/2014/main" id="{8367423A-B05A-D16E-3633-A11AC023946D}"/>
+              </a:ext>
+            </a:extLst>
+          </p:cNvPr>
+          <p:cNvSpPr txBox="1"/>
+          <p:nvPr/>
+        </p:nvSpPr>
+        <p:spPr>
+          <a:xfrm>
+            <a:off x="2966774" y="4439971"/>
+            <a:ext cx="757056" cy="338554"/>
+          </a:xfrm>
+          <a:prstGeom prst="rect">
+            <a:avLst/>
+          </a:prstGeom>
+          <a:noFill/>
+        </p:spPr>
+        <p:txBody>
+          <a:bodyPr wrap="square" rtlCol="0">
+            <a:spAutoFit/>
+          </a:bodyPr>
+          <a:lstStyle/>
+          <a:p>
+            <a:r>
+              <a:rPr lang="en-US" sz="1600" dirty="0"/>
+              <a:t>54</a:t>
+            </a:r>
           </a:p>
         </p:txBody>
       </p:sp>

--- a/corridor_docs/eric_ms_thesis/images/figures.pptx
+++ b/corridor_docs/eric_ms_thesis/images/figures.pptx
@@ -5095,6 +5095,9 @@
           <a:prstGeom prst="rect">
             <a:avLst/>
           </a:prstGeom>
+          <a:solidFill>
+            <a:srgbClr val="002060"/>
+          </a:solidFill>
         </p:spPr>
         <p:style>
           <a:lnRef idx="2">
@@ -5145,6 +5148,9 @@
             <a:avLst/>
           </a:prstGeom>
           <a:ln w="28575">
+            <a:solidFill>
+              <a:srgbClr val="002060"/>
+            </a:solidFill>
             <a:tailEnd type="triangle"/>
           </a:ln>
         </p:spPr>
@@ -5187,6 +5193,9 @@
             <a:avLst/>
           </a:prstGeom>
           <a:ln w="28575">
+            <a:solidFill>
+              <a:srgbClr val="002060"/>
+            </a:solidFill>
             <a:tailEnd type="triangle"/>
           </a:ln>
         </p:spPr>
@@ -5305,6 +5314,11 @@
           <a:prstGeom prst="rect">
             <a:avLst/>
           </a:prstGeom>
+          <a:solidFill>
+            <a:schemeClr val="bg1">
+              <a:lumMod val="85000"/>
+            </a:schemeClr>
+          </a:solidFill>
         </p:spPr>
         <p:style>
           <a:lnRef idx="2">
@@ -5351,7 +5365,9 @@
           <a:prstGeom prst="rect">
             <a:avLst/>
           </a:prstGeom>
-          <a:noFill/>
+          <a:solidFill>
+            <a:srgbClr val="002060"/>
+          </a:solidFill>
         </p:spPr>
         <p:style>
           <a:lnRef idx="2">
@@ -5398,7 +5414,9 @@
           <a:prstGeom prst="rect">
             <a:avLst/>
           </a:prstGeom>
-          <a:noFill/>
+          <a:solidFill>
+            <a:srgbClr val="002060"/>
+          </a:solidFill>
         </p:spPr>
         <p:style>
           <a:lnRef idx="2">
@@ -5445,7 +5463,9 @@
           <a:prstGeom prst="rect">
             <a:avLst/>
           </a:prstGeom>
-          <a:noFill/>
+          <a:solidFill>
+            <a:srgbClr val="002060"/>
+          </a:solidFill>
         </p:spPr>
         <p:style>
           <a:lnRef idx="2">
@@ -5492,6 +5512,11 @@
           <a:prstGeom prst="rect">
             <a:avLst/>
           </a:prstGeom>
+          <a:solidFill>
+            <a:schemeClr val="bg1">
+              <a:lumMod val="85000"/>
+            </a:schemeClr>
+          </a:solidFill>
         </p:spPr>
         <p:style>
           <a:lnRef idx="2">
@@ -5538,6 +5563,11 @@
           <a:prstGeom prst="rect">
             <a:avLst/>
           </a:prstGeom>
+          <a:solidFill>
+            <a:schemeClr val="bg1">
+              <a:lumMod val="85000"/>
+            </a:schemeClr>
+          </a:solidFill>
         </p:spPr>
         <p:style>
           <a:lnRef idx="2">
@@ -5584,7 +5614,9 @@
           <a:prstGeom prst="rect">
             <a:avLst/>
           </a:prstGeom>
-          <a:noFill/>
+          <a:solidFill>
+            <a:srgbClr val="002060"/>
+          </a:solidFill>
         </p:spPr>
         <p:style>
           <a:lnRef idx="2">
@@ -5625,8 +5657,8 @@
         </p:nvSpPr>
         <p:spPr>
           <a:xfrm>
-            <a:off x="1683792" y="3392888"/>
-            <a:ext cx="1056894" cy="338554"/>
+            <a:off x="1500912" y="3139669"/>
+            <a:ext cx="1056894" cy="369332"/>
           </a:xfrm>
           <a:prstGeom prst="rect">
             <a:avLst/>
@@ -5640,7 +5672,7 @@
           <a:lstStyle/>
           <a:p>
             <a:r>
-              <a:rPr lang="en-US" sz="1600" dirty="0"/>
+              <a:rPr lang="en-US" dirty="0"/>
               <a:t>8</a:t>
             </a:r>
           </a:p>
@@ -5660,8 +5692,8 @@
         </p:nvSpPr>
         <p:spPr>
           <a:xfrm>
-            <a:off x="2478588" y="3566067"/>
-            <a:ext cx="757056" cy="338554"/>
+            <a:off x="2169099" y="3326916"/>
+            <a:ext cx="757056" cy="369332"/>
           </a:xfrm>
           <a:prstGeom prst="rect">
             <a:avLst/>
@@ -5675,7 +5707,7 @@
           <a:lstStyle/>
           <a:p>
             <a:r>
-              <a:rPr lang="en-US" sz="1600" dirty="0"/>
+              <a:rPr lang="en-US" dirty="0"/>
               <a:t>53N</a:t>
             </a:r>
           </a:p>
@@ -5695,8 +5727,8 @@
         </p:nvSpPr>
         <p:spPr>
           <a:xfrm>
-            <a:off x="2270933" y="3935433"/>
-            <a:ext cx="757056" cy="338554"/>
+            <a:off x="1792630" y="3907298"/>
+            <a:ext cx="757056" cy="369332"/>
           </a:xfrm>
           <a:prstGeom prst="rect">
             <a:avLst/>
@@ -5710,7 +5742,7 @@
           <a:lstStyle/>
           <a:p>
             <a:r>
-              <a:rPr lang="en-US" sz="1600" dirty="0"/>
+              <a:rPr lang="en-US" dirty="0"/>
               <a:t>52</a:t>
             </a:r>
           </a:p>
@@ -5730,8 +5762,8 @@
         </p:nvSpPr>
         <p:spPr>
           <a:xfrm>
-            <a:off x="2966774" y="4439971"/>
-            <a:ext cx="757056" cy="338554"/>
+            <a:off x="2460337" y="4425903"/>
+            <a:ext cx="757056" cy="369332"/>
           </a:xfrm>
           <a:prstGeom prst="rect">
             <a:avLst/>
@@ -5745,12 +5777,90 @@
           <a:lstStyle/>
           <a:p>
             <a:r>
-              <a:rPr lang="en-US" sz="1600" dirty="0"/>
+              <a:rPr lang="en-US" dirty="0"/>
               <a:t>54</a:t>
             </a:r>
           </a:p>
         </p:txBody>
       </p:sp>
+      <p:pic>
+        <p:nvPicPr>
+          <p:cNvPr id="2" name="Picture 2" descr="Map of Savannah River Site (SRS) located in South Carolina ...">
+            <a:extLst>
+              <a:ext uri="{FF2B5EF4-FFF2-40B4-BE49-F238E27FC236}">
+                <a16:creationId xmlns:a16="http://schemas.microsoft.com/office/drawing/2014/main" id="{8CD9DBE9-03B9-82B4-6FCD-F46F91922FA1}"/>
+              </a:ext>
+            </a:extLst>
+          </p:cNvPr>
+          <p:cNvPicPr>
+            <a:picLocks noChangeAspect="1" noChangeArrowheads="1"/>
+          </p:cNvPicPr>
+          <p:nvPr/>
+        </p:nvPicPr>
+        <p:blipFill rotWithShape="1">
+          <a:blip r:embed="rId5">
+            <a:alphaModFix/>
+            <a:extLst>
+              <a:ext uri="{28A0092B-C50C-407E-A947-70E740481C1C}">
+                <a14:useLocalDpi xmlns:a14="http://schemas.microsoft.com/office/drawing/2010/main" val="0"/>
+              </a:ext>
+            </a:extLst>
+          </a:blip>
+          <a:srcRect l="44972" t="85663" r="3606" b="988"/>
+          <a:stretch>
+            <a:fillRect/>
+          </a:stretch>
+        </p:blipFill>
+        <p:spPr bwMode="auto">
+          <a:xfrm>
+            <a:off x="1044674" y="6673260"/>
+            <a:ext cx="1949664" cy="662150"/>
+          </a:xfrm>
+          <a:prstGeom prst="rect">
+            <a:avLst/>
+          </a:prstGeom>
+          <a:noFill/>
+          <a:extLst>
+            <a:ext uri="{909E8E84-426E-40DD-AFC4-6F175D3DCCD1}">
+              <a14:hiddenFill xmlns:a14="http://schemas.microsoft.com/office/drawing/2010/main">
+                <a:solidFill>
+                  <a:srgbClr val="FFFFFF"/>
+                </a:solidFill>
+              </a14:hiddenFill>
+            </a:ext>
+          </a:extLst>
+        </p:spPr>
+      </p:pic>
+      <p:pic>
+        <p:nvPicPr>
+          <p:cNvPr id="6" name="Picture 5">
+            <a:extLst>
+              <a:ext uri="{FF2B5EF4-FFF2-40B4-BE49-F238E27FC236}">
+                <a16:creationId xmlns:a16="http://schemas.microsoft.com/office/drawing/2014/main" id="{5E142282-E276-71AB-0315-8E64F89BA987}"/>
+              </a:ext>
+            </a:extLst>
+          </p:cNvPr>
+          <p:cNvPicPr>
+            <a:picLocks noChangeAspect="1"/>
+          </p:cNvPicPr>
+          <p:nvPr/>
+        </p:nvPicPr>
+        <p:blipFill>
+          <a:blip r:embed="rId6"/>
+          <a:stretch>
+            <a:fillRect/>
+          </a:stretch>
+        </p:blipFill>
+        <p:spPr>
+          <a:xfrm>
+            <a:off x="519179" y="6770665"/>
+            <a:ext cx="356585" cy="578701"/>
+          </a:xfrm>
+          <a:prstGeom prst="rect">
+            <a:avLst/>
+          </a:prstGeom>
+        </p:spPr>
+      </p:pic>
     </p:spTree>
     <p:extLst>
       <p:ext uri="{BB962C8B-B14F-4D97-AF65-F5344CB8AC3E}">
